--- a/presentations/04_data_wrangling.pptx
+++ b/presentations/04_data_wrangling.pptx
@@ -211,7 +211,7 @@
           <a:p>
             <a:fld id="{FD93C9B2-20F6-4DB1-B471-224337D0AC79}" type="datetimeFigureOut">
               <a:rPr lang="en-US" smtClean="0"/>
-              <a:t>6/1/2022</a:t>
+              <a:t>1/11/2023</a:t>
             </a:fld>
             <a:endParaRPr lang="en-US"/>
           </a:p>
@@ -1082,7 +1082,7 @@
           <a:p>
             <a:fld id="{C3F78080-8D0A-4BE8-A5B4-CB115102D524}" type="datetimeFigureOut">
               <a:rPr lang="en-US" smtClean="0"/>
-              <a:t>6/1/2022</a:t>
+              <a:t>1/11/2023</a:t>
             </a:fld>
             <a:endParaRPr lang="en-US"/>
           </a:p>
@@ -1280,7 +1280,7 @@
           <a:p>
             <a:fld id="{C3F78080-8D0A-4BE8-A5B4-CB115102D524}" type="datetimeFigureOut">
               <a:rPr lang="en-US" smtClean="0"/>
-              <a:t>6/1/2022</a:t>
+              <a:t>1/11/2023</a:t>
             </a:fld>
             <a:endParaRPr lang="en-US"/>
           </a:p>
@@ -1488,7 +1488,7 @@
           <a:p>
             <a:fld id="{C3F78080-8D0A-4BE8-A5B4-CB115102D524}" type="datetimeFigureOut">
               <a:rPr lang="en-US" smtClean="0"/>
-              <a:t>6/1/2022</a:t>
+              <a:t>1/11/2023</a:t>
             </a:fld>
             <a:endParaRPr lang="en-US"/>
           </a:p>
@@ -1686,7 +1686,7 @@
           <a:p>
             <a:fld id="{C3F78080-8D0A-4BE8-A5B4-CB115102D524}" type="datetimeFigureOut">
               <a:rPr lang="en-US" smtClean="0"/>
-              <a:t>6/1/2022</a:t>
+              <a:t>1/11/2023</a:t>
             </a:fld>
             <a:endParaRPr lang="en-US"/>
           </a:p>
@@ -1961,7 +1961,7 @@
           <a:p>
             <a:fld id="{C3F78080-8D0A-4BE8-A5B4-CB115102D524}" type="datetimeFigureOut">
               <a:rPr lang="en-US" smtClean="0"/>
-              <a:t>6/1/2022</a:t>
+              <a:t>1/11/2023</a:t>
             </a:fld>
             <a:endParaRPr lang="en-US"/>
           </a:p>
@@ -2226,7 +2226,7 @@
           <a:p>
             <a:fld id="{C3F78080-8D0A-4BE8-A5B4-CB115102D524}" type="datetimeFigureOut">
               <a:rPr lang="en-US" smtClean="0"/>
-              <a:t>6/1/2022</a:t>
+              <a:t>1/11/2023</a:t>
             </a:fld>
             <a:endParaRPr lang="en-US"/>
           </a:p>
@@ -2638,7 +2638,7 @@
           <a:p>
             <a:fld id="{C3F78080-8D0A-4BE8-A5B4-CB115102D524}" type="datetimeFigureOut">
               <a:rPr lang="en-US" smtClean="0"/>
-              <a:t>6/1/2022</a:t>
+              <a:t>1/11/2023</a:t>
             </a:fld>
             <a:endParaRPr lang="en-US"/>
           </a:p>
@@ -2779,7 +2779,7 @@
           <a:p>
             <a:fld id="{C3F78080-8D0A-4BE8-A5B4-CB115102D524}" type="datetimeFigureOut">
               <a:rPr lang="en-US" smtClean="0"/>
-              <a:t>6/1/2022</a:t>
+              <a:t>1/11/2023</a:t>
             </a:fld>
             <a:endParaRPr lang="en-US"/>
           </a:p>
@@ -2892,7 +2892,7 @@
           <a:p>
             <a:fld id="{C3F78080-8D0A-4BE8-A5B4-CB115102D524}" type="datetimeFigureOut">
               <a:rPr lang="en-US" smtClean="0"/>
-              <a:t>6/1/2022</a:t>
+              <a:t>1/11/2023</a:t>
             </a:fld>
             <a:endParaRPr lang="en-US"/>
           </a:p>
@@ -3203,7 +3203,7 @@
           <a:p>
             <a:fld id="{C3F78080-8D0A-4BE8-A5B4-CB115102D524}" type="datetimeFigureOut">
               <a:rPr lang="en-US" smtClean="0"/>
-              <a:t>6/1/2022</a:t>
+              <a:t>1/11/2023</a:t>
             </a:fld>
             <a:endParaRPr lang="en-US"/>
           </a:p>
@@ -3491,7 +3491,7 @@
           <a:p>
             <a:fld id="{C3F78080-8D0A-4BE8-A5B4-CB115102D524}" type="datetimeFigureOut">
               <a:rPr lang="en-US" smtClean="0"/>
-              <a:t>6/1/2022</a:t>
+              <a:t>1/11/2023</a:t>
             </a:fld>
             <a:endParaRPr lang="en-US"/>
           </a:p>
@@ -3732,7 +3732,7 @@
           <a:p>
             <a:fld id="{C3F78080-8D0A-4BE8-A5B4-CB115102D524}" type="datetimeFigureOut">
               <a:rPr lang="en-US" smtClean="0"/>
-              <a:t>6/1/2022</a:t>
+              <a:t>1/11/2023</a:t>
             </a:fld>
             <a:endParaRPr lang="en-US"/>
           </a:p>
@@ -4172,12 +4172,19 @@
           </a:xfrm>
         </p:spPr>
         <p:txBody>
-          <a:bodyPr/>
-          <a:lstStyle/>
-          <a:p>
-            <a:r>
-              <a:rPr lang="en-US" dirty="0">
-                <a:latin typeface="Palatino Linotype" panose="02040502050505030304" pitchFamily="18" charset="0"/>
+          <a:bodyPr>
+            <a:normAutofit/>
+          </a:bodyPr>
+          <a:lstStyle/>
+          <a:p>
+            <a:r>
+              <a:rPr lang="en-US" sz="2800" dirty="0">
+                <a:solidFill>
+                  <a:schemeClr val="bg2">
+                    <a:lumMod val="50000"/>
+                  </a:schemeClr>
+                </a:solidFill>
+                <a:latin typeface="Avenir" panose="02000503020000020003" pitchFamily="2" charset="0"/>
                 <a:cs typeface="Segoe UI" panose="020B0502040204020203" pitchFamily="34" charset="0"/>
               </a:rPr>
               <a:t>Python Data Management</a:t>
@@ -4215,6 +4222,36 @@
           <a:xfrm>
             <a:off x="844551" y="3633112"/>
             <a:ext cx="6154487" cy="1268482"/>
+          </a:xfrm>
+          <a:prstGeom prst="rect">
+            <a:avLst/>
+          </a:prstGeom>
+        </p:spPr>
+      </p:pic>
+      <p:pic>
+        <p:nvPicPr>
+          <p:cNvPr id="2" name="Picture 1" descr="Logo, icon&#10;&#10;Description automatically generated">
+            <a:extLst>
+              <a:ext uri="{FF2B5EF4-FFF2-40B4-BE49-F238E27FC236}">
+                <a16:creationId xmlns:a16="http://schemas.microsoft.com/office/drawing/2014/main" id="{E9B01DD0-E8BF-BF5F-D7C6-C612C171A5CA}"/>
+              </a:ext>
+            </a:extLst>
+          </p:cNvPr>
+          <p:cNvPicPr>
+            <a:picLocks noChangeAspect="1"/>
+          </p:cNvPicPr>
+          <p:nvPr/>
+        </p:nvPicPr>
+        <p:blipFill>
+          <a:blip r:embed="rId4"/>
+          <a:stretch>
+            <a:fillRect/>
+          </a:stretch>
+        </p:blipFill>
+        <p:spPr>
+          <a:xfrm flipH="1">
+            <a:off x="11072551" y="5776267"/>
+            <a:ext cx="831910" cy="831910"/>
           </a:xfrm>
           <a:prstGeom prst="rect">
             <a:avLst/>
@@ -4293,8 +4330,8 @@
           <a:p>
             <a:pPr algn="ctr"/>
             <a:r>
-              <a:rPr lang="en-US" sz="4000" dirty="0">
-                <a:latin typeface="Palatino Linotype" panose="02040502050505030304" pitchFamily="18" charset="0"/>
+              <a:rPr lang="en-US" sz="3600" b="1" dirty="0">
+                <a:latin typeface="Avenir Black" panose="02000503020000020003" pitchFamily="2" charset="0"/>
                 <a:cs typeface="Segoe UI Light" panose="020B0502040204020203" pitchFamily="34" charset="0"/>
               </a:rPr>
               <a:t>Agenda</a:t>
@@ -4318,7 +4355,12 @@
             <p:ph idx="1"/>
           </p:nvPr>
         </p:nvSpPr>
-        <p:spPr/>
+        <p:spPr>
+          <a:xfrm>
+            <a:off x="838199" y="1409990"/>
+            <a:ext cx="10515600" cy="4351338"/>
+          </a:xfrm>
+        </p:spPr>
         <p:txBody>
           <a:bodyPr>
             <a:normAutofit/>
@@ -4329,8 +4371,6 @@
               <a:lnSpc>
                 <a:spcPct val="150000"/>
               </a:lnSpc>
-              <a:buFont typeface="Wingdings" panose="05000000000000000000" pitchFamily="2" charset="2"/>
-              <a:buChar char="Ø"/>
             </a:pPr>
             <a:r>
               <a:rPr lang="en-US" sz="3200" dirty="0">
@@ -4340,7 +4380,7 @@
                     <a:lumOff val="25000"/>
                   </a:schemeClr>
                 </a:solidFill>
-                <a:latin typeface="Palatino Linotype" panose="02040502050505030304" pitchFamily="18" charset="0"/>
+                <a:latin typeface="Avenir" panose="02000503020000020003" pitchFamily="2" charset="0"/>
               </a:rPr>
               <a:t> Introduction</a:t>
             </a:r>
@@ -4350,8 +4390,6 @@
               <a:lnSpc>
                 <a:spcPct val="150000"/>
               </a:lnSpc>
-              <a:buFont typeface="Wingdings" panose="05000000000000000000" pitchFamily="2" charset="2"/>
-              <a:buChar char="Ø"/>
             </a:pPr>
             <a:r>
               <a:rPr lang="en-US" sz="3200" dirty="0">
@@ -4361,13 +4399,49 @@
                     <a:lumOff val="25000"/>
                   </a:schemeClr>
                 </a:solidFill>
-                <a:latin typeface="Palatino Linotype" panose="02040502050505030304" pitchFamily="18" charset="0"/>
+                <a:latin typeface="Avenir" panose="02000503020000020003" pitchFamily="2" charset="0"/>
               </a:rPr>
               <a:t> Reading .csv Files</a:t>
             </a:r>
           </a:p>
         </p:txBody>
       </p:sp>
+      <p:pic>
+        <p:nvPicPr>
+          <p:cNvPr id="3" name="Picture 2" descr="A picture containing dark, gauge&#10;&#10;Description automatically generated">
+            <a:extLst>
+              <a:ext uri="{FF2B5EF4-FFF2-40B4-BE49-F238E27FC236}">
+                <a16:creationId xmlns:a16="http://schemas.microsoft.com/office/drawing/2014/main" id="{0349CC1F-27C2-6CF0-2A33-AEA38089C68B}"/>
+              </a:ext>
+            </a:extLst>
+          </p:cNvPr>
+          <p:cNvPicPr>
+            <a:picLocks noChangeAspect="1"/>
+          </p:cNvPicPr>
+          <p:nvPr/>
+        </p:nvPicPr>
+        <p:blipFill>
+          <a:blip r:embed="rId3">
+            <a:extLst>
+              <a:ext uri="{28A0092B-C50C-407E-A947-70E740481C1C}">
+                <a14:useLocalDpi xmlns:a14="http://schemas.microsoft.com/office/drawing/2010/main" val="0"/>
+              </a:ext>
+            </a:extLst>
+          </a:blip>
+          <a:stretch>
+            <a:fillRect/>
+          </a:stretch>
+        </p:blipFill>
+        <p:spPr>
+          <a:xfrm>
+            <a:off x="11378037" y="6031948"/>
+            <a:ext cx="800100" cy="812800"/>
+          </a:xfrm>
+          <a:prstGeom prst="rect">
+            <a:avLst/>
+          </a:prstGeom>
+        </p:spPr>
+      </p:pic>
     </p:spTree>
     <p:extLst>
       <p:ext uri="{BB962C8B-B14F-4D97-AF65-F5344CB8AC3E}">
@@ -4455,6 +4529,42 @@
               </a14:hiddenFill>
             </a:ext>
           </a:extLst>
+        </p:spPr>
+      </p:pic>
+      <p:pic>
+        <p:nvPicPr>
+          <p:cNvPr id="2" name="Picture 1" descr="A picture containing dark, gauge&#10;&#10;Description automatically generated">
+            <a:extLst>
+              <a:ext uri="{FF2B5EF4-FFF2-40B4-BE49-F238E27FC236}">
+                <a16:creationId xmlns:a16="http://schemas.microsoft.com/office/drawing/2014/main" id="{B9411F93-01F4-47E2-627E-B9D575DD1DD4}"/>
+              </a:ext>
+            </a:extLst>
+          </p:cNvPr>
+          <p:cNvPicPr>
+            <a:picLocks noChangeAspect="1"/>
+          </p:cNvPicPr>
+          <p:nvPr/>
+        </p:nvPicPr>
+        <p:blipFill>
+          <a:blip r:embed="rId4">
+            <a:extLst>
+              <a:ext uri="{28A0092B-C50C-407E-A947-70E740481C1C}">
+                <a14:useLocalDpi xmlns:a14="http://schemas.microsoft.com/office/drawing/2010/main" val="0"/>
+              </a:ext>
+            </a:extLst>
+          </a:blip>
+          <a:stretch>
+            <a:fillRect/>
+          </a:stretch>
+        </p:blipFill>
+        <p:spPr>
+          <a:xfrm>
+            <a:off x="11378037" y="6031948"/>
+            <a:ext cx="800100" cy="812800"/>
+          </a:xfrm>
+          <a:prstGeom prst="rect">
+            <a:avLst/>
+          </a:prstGeom>
         </p:spPr>
       </p:pic>
     </p:spTree>
@@ -4628,6 +4738,42 @@
           </a:p>
         </p:txBody>
       </p:sp>
+      <p:pic>
+        <p:nvPicPr>
+          <p:cNvPr id="2" name="Picture 1" descr="A picture containing dark, gauge&#10;&#10;Description automatically generated">
+            <a:extLst>
+              <a:ext uri="{FF2B5EF4-FFF2-40B4-BE49-F238E27FC236}">
+                <a16:creationId xmlns:a16="http://schemas.microsoft.com/office/drawing/2014/main" id="{7E5D25D3-E7CC-74CB-77F0-4E6DA88D6509}"/>
+              </a:ext>
+            </a:extLst>
+          </p:cNvPr>
+          <p:cNvPicPr>
+            <a:picLocks noChangeAspect="1"/>
+          </p:cNvPicPr>
+          <p:nvPr/>
+        </p:nvPicPr>
+        <p:blipFill>
+          <a:blip r:embed="rId4">
+            <a:extLst>
+              <a:ext uri="{28A0092B-C50C-407E-A947-70E740481C1C}">
+                <a14:useLocalDpi xmlns:a14="http://schemas.microsoft.com/office/drawing/2010/main" val="0"/>
+              </a:ext>
+            </a:extLst>
+          </a:blip>
+          <a:stretch>
+            <a:fillRect/>
+          </a:stretch>
+        </p:blipFill>
+        <p:spPr>
+          <a:xfrm>
+            <a:off x="11378037" y="6031948"/>
+            <a:ext cx="800100" cy="812800"/>
+          </a:xfrm>
+          <a:prstGeom prst="rect">
+            <a:avLst/>
+          </a:prstGeom>
+        </p:spPr>
+      </p:pic>
     </p:spTree>
     <p:extLst>
       <p:ext uri="{BB962C8B-B14F-4D97-AF65-F5344CB8AC3E}">

--- a/presentations/04_data_wrangling.pptx
+++ b/presentations/04_data_wrangling.pptx
@@ -2,16 +2,16 @@
 <file path=ppt/presentation.xml><?xml version="1.0" encoding="utf-8"?>
 <p:presentation xmlns:a="http://schemas.openxmlformats.org/drawingml/2006/main" xmlns:r="http://schemas.openxmlformats.org/officeDocument/2006/relationships" xmlns:p="http://schemas.openxmlformats.org/presentationml/2006/main" saveSubsetFonts="1">
   <p:sldMasterIdLst>
-    <p:sldMasterId id="2147483648" r:id="rId1"/>
+    <p:sldMasterId id="2147483648" r:id="rId4"/>
   </p:sldMasterIdLst>
   <p:notesMasterIdLst>
-    <p:notesMasterId r:id="rId6"/>
+    <p:notesMasterId r:id="rId9"/>
   </p:notesMasterIdLst>
   <p:sldIdLst>
-    <p:sldId id="324" r:id="rId2"/>
-    <p:sldId id="266" r:id="rId3"/>
-    <p:sldId id="301" r:id="rId4"/>
-    <p:sldId id="306" r:id="rId5"/>
+    <p:sldId id="324" r:id="rId5"/>
+    <p:sldId id="266" r:id="rId6"/>
+    <p:sldId id="301" r:id="rId7"/>
+    <p:sldId id="306" r:id="rId8"/>
   </p:sldIdLst>
   <p:sldSz cx="12192000" cy="6858000"/>
   <p:notesSz cx="6858000" cy="9144000"/>
@@ -129,6 +129,160 @@
 </p:presentation>
 </file>
 
+<file path=ppt/revisionInfo.xml><?xml version="1.0" encoding="utf-8"?>
+<p1510:revInfo xmlns:a="http://schemas.openxmlformats.org/drawingml/2006/main" xmlns:r="http://schemas.openxmlformats.org/officeDocument/2006/relationships" xmlns:p1510="http://schemas.microsoft.com/office/powerpoint/2015/10/main">
+  <p1510:revLst>
+    <p1510:client id="{D373F9BF-C7E4-4AB5-8482-11D3C92A0822}" v="546" dt="2023-02-09T20:08:41.110"/>
+  </p1510:revLst>
+</p1510:revInfo>
+</file>
+
+<file path=ppt/changesInfos/changesInfo1.xml><?xml version="1.0" encoding="utf-8"?>
+<pc:chgInfo xmlns:a="http://schemas.openxmlformats.org/drawingml/2006/main" xmlns:r="http://schemas.openxmlformats.org/officeDocument/2006/relationships" xmlns:ac="http://schemas.microsoft.com/office/drawing/2013/main/command" xmlns:pc="http://schemas.microsoft.com/office/powerpoint/2013/main/command">
+  <pc:docChgLst>
+    <pc:chgData name="Haskell,Allyson A" userId="f01f6c31-ef41-49db-8aa6-74fdc01fc293" providerId="ADAL" clId="{D373F9BF-C7E4-4AB5-8482-11D3C92A0822}"/>
+    <pc:docChg chg="modSld">
+      <pc:chgData name="Haskell,Allyson A" userId="f01f6c31-ef41-49db-8aa6-74fdc01fc293" providerId="ADAL" clId="{D373F9BF-C7E4-4AB5-8482-11D3C92A0822}" dt="2023-02-09T20:08:41.110" v="545" actId="962"/>
+      <pc:docMkLst>
+        <pc:docMk/>
+      </pc:docMkLst>
+      <pc:sldChg chg="modSp">
+        <pc:chgData name="Haskell,Allyson A" userId="f01f6c31-ef41-49db-8aa6-74fdc01fc293" providerId="ADAL" clId="{D373F9BF-C7E4-4AB5-8482-11D3C92A0822}" dt="2023-02-09T20:08:35.903" v="544" actId="962"/>
+        <pc:sldMkLst>
+          <pc:docMk/>
+          <pc:sldMk cId="3933901158" sldId="266"/>
+        </pc:sldMkLst>
+        <pc:picChg chg="mod">
+          <ac:chgData name="Haskell,Allyson A" userId="f01f6c31-ef41-49db-8aa6-74fdc01fc293" providerId="ADAL" clId="{D373F9BF-C7E4-4AB5-8482-11D3C92A0822}" dt="2023-02-09T20:08:35.903" v="544" actId="962"/>
+          <ac:picMkLst>
+            <pc:docMk/>
+            <pc:sldMk cId="3933901158" sldId="266"/>
+            <ac:picMk id="3" creationId="{0349CC1F-27C2-6CF0-2A33-AEA38089C68B}"/>
+          </ac:picMkLst>
+        </pc:picChg>
+      </pc:sldChg>
+      <pc:sldChg chg="addSp modSp">
+        <pc:chgData name="Haskell,Allyson A" userId="f01f6c31-ef41-49db-8aa6-74fdc01fc293" providerId="ADAL" clId="{D373F9BF-C7E4-4AB5-8482-11D3C92A0822}" dt="2023-02-09T20:08:17.985" v="542" actId="13244"/>
+        <pc:sldMkLst>
+          <pc:docMk/>
+          <pc:sldMk cId="3989656751" sldId="301"/>
+        </pc:sldMkLst>
+        <pc:spChg chg="add mod">
+          <ac:chgData name="Haskell,Allyson A" userId="f01f6c31-ef41-49db-8aa6-74fdc01fc293" providerId="ADAL" clId="{D373F9BF-C7E4-4AB5-8482-11D3C92A0822}" dt="2023-02-09T20:08:17.985" v="542" actId="13244"/>
+          <ac:spMkLst>
+            <pc:docMk/>
+            <pc:sldMk cId="3989656751" sldId="301"/>
+            <ac:spMk id="3" creationId="{388A26A9-D93E-46CA-8DA8-1C6E18DFF967}"/>
+          </ac:spMkLst>
+        </pc:spChg>
+        <pc:picChg chg="mod">
+          <ac:chgData name="Haskell,Allyson A" userId="f01f6c31-ef41-49db-8aa6-74fdc01fc293" providerId="ADAL" clId="{D373F9BF-C7E4-4AB5-8482-11D3C92A0822}" dt="2023-02-09T20:08:08.999" v="540" actId="962"/>
+          <ac:picMkLst>
+            <pc:docMk/>
+            <pc:sldMk cId="3989656751" sldId="301"/>
+            <ac:picMk id="2" creationId="{B9411F93-01F4-47E2-627E-B9D575DD1DD4}"/>
+          </ac:picMkLst>
+        </pc:picChg>
+        <pc:picChg chg="mod">
+          <ac:chgData name="Haskell,Allyson A" userId="f01f6c31-ef41-49db-8aa6-74fdc01fc293" providerId="ADAL" clId="{D373F9BF-C7E4-4AB5-8482-11D3C92A0822}" dt="2023-02-09T20:06:51.754" v="122" actId="962"/>
+          <ac:picMkLst>
+            <pc:docMk/>
+            <pc:sldMk cId="3989656751" sldId="301"/>
+            <ac:picMk id="1030" creationId="{86B06A74-6B1E-4893-8AB9-76CB79DD7EF7}"/>
+          </ac:picMkLst>
+        </pc:picChg>
+      </pc:sldChg>
+      <pc:sldChg chg="addSp modSp">
+        <pc:chgData name="Haskell,Allyson A" userId="f01f6c31-ef41-49db-8aa6-74fdc01fc293" providerId="ADAL" clId="{D373F9BF-C7E4-4AB5-8482-11D3C92A0822}" dt="2023-02-09T20:08:41.110" v="545" actId="962"/>
+        <pc:sldMkLst>
+          <pc:docMk/>
+          <pc:sldMk cId="2721229780" sldId="306"/>
+        </pc:sldMkLst>
+        <pc:spChg chg="add mod">
+          <ac:chgData name="Haskell,Allyson A" userId="f01f6c31-ef41-49db-8aa6-74fdc01fc293" providerId="ADAL" clId="{D373F9BF-C7E4-4AB5-8482-11D3C92A0822}" dt="2023-02-09T20:08:27.290" v="543" actId="13244"/>
+          <ac:spMkLst>
+            <pc:docMk/>
+            <pc:sldMk cId="2721229780" sldId="306"/>
+            <ac:spMk id="4" creationId="{5BBB98DD-17FF-4A1B-8E42-DB99F3FCFE67}"/>
+          </ac:spMkLst>
+        </pc:spChg>
+        <pc:picChg chg="mod">
+          <ac:chgData name="Haskell,Allyson A" userId="f01f6c31-ef41-49db-8aa6-74fdc01fc293" providerId="ADAL" clId="{D373F9BF-C7E4-4AB5-8482-11D3C92A0822}" dt="2023-02-09T20:08:41.110" v="545" actId="962"/>
+          <ac:picMkLst>
+            <pc:docMk/>
+            <pc:sldMk cId="2721229780" sldId="306"/>
+            <ac:picMk id="2" creationId="{7E5D25D3-E7CC-74CB-77F0-4E6DA88D6509}"/>
+          </ac:picMkLst>
+        </pc:picChg>
+        <pc:picChg chg="mod">
+          <ac:chgData name="Haskell,Allyson A" userId="f01f6c31-ef41-49db-8aa6-74fdc01fc293" providerId="ADAL" clId="{D373F9BF-C7E4-4AB5-8482-11D3C92A0822}" dt="2023-02-09T20:07:43.627" v="518" actId="962"/>
+          <ac:picMkLst>
+            <pc:docMk/>
+            <pc:sldMk cId="2721229780" sldId="306"/>
+            <ac:picMk id="1028" creationId="{2BE7FBCF-87F9-4CD0-8394-CB8238692788}"/>
+          </ac:picMkLst>
+        </pc:picChg>
+      </pc:sldChg>
+      <pc:sldChg chg="addSp delSp modSp">
+        <pc:chgData name="Haskell,Allyson A" userId="f01f6c31-ef41-49db-8aa6-74fdc01fc293" providerId="ADAL" clId="{D373F9BF-C7E4-4AB5-8482-11D3C92A0822}" dt="2023-02-09T20:06:22.615" v="105" actId="962"/>
+        <pc:sldMkLst>
+          <pc:docMk/>
+          <pc:sldMk cId="4229412751" sldId="324"/>
+        </pc:sldMkLst>
+        <pc:spChg chg="del">
+          <ac:chgData name="Haskell,Allyson A" userId="f01f6c31-ef41-49db-8aa6-74fdc01fc293" providerId="ADAL" clId="{D373F9BF-C7E4-4AB5-8482-11D3C92A0822}" dt="2023-02-09T20:06:02.757" v="77" actId="478"/>
+          <ac:spMkLst>
+            <pc:docMk/>
+            <pc:sldMk cId="4229412751" sldId="324"/>
+            <ac:spMk id="3" creationId="{098BC2D2-CCF7-4C63-8489-B46BF394FCA2}"/>
+          </ac:spMkLst>
+        </pc:spChg>
+        <pc:spChg chg="add del mod">
+          <ac:chgData name="Haskell,Allyson A" userId="f01f6c31-ef41-49db-8aa6-74fdc01fc293" providerId="ADAL" clId="{D373F9BF-C7E4-4AB5-8482-11D3C92A0822}" dt="2023-02-09T20:06:05.873" v="79" actId="478"/>
+          <ac:spMkLst>
+            <pc:docMk/>
+            <pc:sldMk cId="4229412751" sldId="324"/>
+            <ac:spMk id="4" creationId="{1F8B85C5-4FB4-42DD-949E-25639170299E}"/>
+          </ac:spMkLst>
+        </pc:spChg>
+        <pc:spChg chg="add del mod">
+          <ac:chgData name="Haskell,Allyson A" userId="f01f6c31-ef41-49db-8aa6-74fdc01fc293" providerId="ADAL" clId="{D373F9BF-C7E4-4AB5-8482-11D3C92A0822}" dt="2023-02-09T20:06:07.012" v="80" actId="478"/>
+          <ac:spMkLst>
+            <pc:docMk/>
+            <pc:sldMk cId="4229412751" sldId="324"/>
+            <ac:spMk id="5" creationId="{0996F787-C525-40B5-90D5-90A1B46B1F8B}"/>
+          </ac:spMkLst>
+        </pc:spChg>
+        <pc:spChg chg="add del mod">
+          <ac:chgData name="Haskell,Allyson A" userId="f01f6c31-ef41-49db-8aa6-74fdc01fc293" providerId="ADAL" clId="{D373F9BF-C7E4-4AB5-8482-11D3C92A0822}" dt="2023-02-09T20:06:05.873" v="79" actId="478"/>
+          <ac:spMkLst>
+            <pc:docMk/>
+            <pc:sldMk cId="4229412751" sldId="324"/>
+            <ac:spMk id="6" creationId="{0210A61C-C79C-49E7-B859-78E9C02D2C2C}"/>
+          </ac:spMkLst>
+        </pc:spChg>
+        <pc:picChg chg="mod">
+          <ac:chgData name="Haskell,Allyson A" userId="f01f6c31-ef41-49db-8aa6-74fdc01fc293" providerId="ADAL" clId="{D373F9BF-C7E4-4AB5-8482-11D3C92A0822}" dt="2023-02-09T20:06:12.288" v="81" actId="962"/>
+          <ac:picMkLst>
+            <pc:docMk/>
+            <pc:sldMk cId="4229412751" sldId="324"/>
+            <ac:picMk id="2" creationId="{E9B01DD0-E8BF-BF5F-D7C6-C612C171A5CA}"/>
+          </ac:picMkLst>
+        </pc:picChg>
+        <pc:picChg chg="mod">
+          <ac:chgData name="Haskell,Allyson A" userId="f01f6c31-ef41-49db-8aa6-74fdc01fc293" providerId="ADAL" clId="{D373F9BF-C7E4-4AB5-8482-11D3C92A0822}" dt="2023-02-09T20:06:22.615" v="105" actId="962"/>
+          <ac:picMkLst>
+            <pc:docMk/>
+            <pc:sldMk cId="4229412751" sldId="324"/>
+            <ac:picMk id="7" creationId="{77FCCB67-39FD-4BE1-9A26-C0B1DF410887}"/>
+          </ac:picMkLst>
+        </pc:picChg>
+      </pc:sldChg>
+    </pc:docChg>
+  </pc:docChgLst>
+</pc:chgInfo>
+</file>
+
 <file path=ppt/notesMasters/notesMaster1.xml><?xml version="1.0" encoding="utf-8"?>
 <p:notesMaster xmlns:a="http://schemas.openxmlformats.org/drawingml/2006/main" xmlns:r="http://schemas.openxmlformats.org/officeDocument/2006/relationships" xmlns:p="http://schemas.openxmlformats.org/presentationml/2006/main">
   <p:cSld>
@@ -211,7 +365,7 @@
           <a:p>
             <a:fld id="{FD93C9B2-20F6-4DB1-B471-224337D0AC79}" type="datetimeFigureOut">
               <a:rPr lang="en-US" smtClean="0"/>
-              <a:t>1/11/2023</a:t>
+              <a:t>2/9/2023</a:t>
             </a:fld>
             <a:endParaRPr lang="en-US"/>
           </a:p>
@@ -522,12 +676,12 @@
           <a:bodyPr/>
           <a:lstStyle/>
           <a:p>
-            <a:endParaRPr lang="en-US" dirty="0">
+            <a:endParaRPr lang="en-US">
               <a:latin typeface="Palatino Linotype" panose="02040502050505030304" pitchFamily="18" charset="0"/>
             </a:endParaRPr>
           </a:p>
           <a:p>
-            <a:endParaRPr lang="en-US" dirty="0">
+            <a:endParaRPr lang="en-US">
               <a:latin typeface="Palatino Linotype" panose="02040502050505030304" pitchFamily="18" charset="0"/>
             </a:endParaRPr>
           </a:p>
@@ -613,7 +767,7 @@
           <a:bodyPr/>
           <a:lstStyle/>
           <a:p>
-            <a:endParaRPr lang="en-US" dirty="0"/>
+            <a:endParaRPr lang="en-US"/>
           </a:p>
         </p:txBody>
       </p:sp>
@@ -714,7 +868,7 @@
               <a:tabLst/>
               <a:defRPr/>
             </a:pPr>
-            <a:endParaRPr lang="en-US" dirty="0"/>
+            <a:endParaRPr lang="en-US"/>
           </a:p>
           <a:p>
             <a:pPr marL="0" marR="0" lvl="0" indent="0" algn="l" defTabSz="914400" rtl="0" eaLnBrk="1" fontAlgn="auto" latinLnBrk="0" hangingPunct="1">
@@ -734,7 +888,7 @@
               <a:tabLst/>
               <a:defRPr/>
             </a:pPr>
-            <a:endParaRPr lang="en-US" dirty="0"/>
+            <a:endParaRPr lang="en-US"/>
           </a:p>
           <a:p>
             <a:pPr marL="0" marR="0" lvl="0" indent="0" algn="l" defTabSz="914400" rtl="0" eaLnBrk="1" fontAlgn="auto" latinLnBrk="0" hangingPunct="1">
@@ -754,7 +908,7 @@
               <a:tabLst/>
               <a:defRPr/>
             </a:pPr>
-            <a:endParaRPr lang="en-US" dirty="0"/>
+            <a:endParaRPr lang="en-US"/>
           </a:p>
         </p:txBody>
       </p:sp>
@@ -855,7 +1009,7 @@
               <a:tabLst/>
               <a:defRPr/>
             </a:pPr>
-            <a:endParaRPr lang="en-US" dirty="0"/>
+            <a:endParaRPr lang="en-US"/>
           </a:p>
           <a:p>
             <a:pPr marL="0" marR="0" lvl="0" indent="0" algn="l" defTabSz="914400" rtl="0" eaLnBrk="1" fontAlgn="auto" latinLnBrk="0" hangingPunct="1">
@@ -875,7 +1029,7 @@
               <a:tabLst/>
               <a:defRPr/>
             </a:pPr>
-            <a:endParaRPr lang="en-US" dirty="0"/>
+            <a:endParaRPr lang="en-US"/>
           </a:p>
           <a:p>
             <a:pPr marL="0" marR="0" lvl="0" indent="0" algn="l" defTabSz="914400" rtl="0" eaLnBrk="1" fontAlgn="auto" latinLnBrk="0" hangingPunct="1">
@@ -895,7 +1049,7 @@
               <a:tabLst/>
               <a:defRPr/>
             </a:pPr>
-            <a:endParaRPr lang="en-US" dirty="0"/>
+            <a:endParaRPr lang="en-US"/>
           </a:p>
         </p:txBody>
       </p:sp>
@@ -1082,7 +1236,7 @@
           <a:p>
             <a:fld id="{C3F78080-8D0A-4BE8-A5B4-CB115102D524}" type="datetimeFigureOut">
               <a:rPr lang="en-US" smtClean="0"/>
-              <a:t>1/11/2023</a:t>
+              <a:t>2/9/2023</a:t>
             </a:fld>
             <a:endParaRPr lang="en-US"/>
           </a:p>
@@ -1280,7 +1434,7 @@
           <a:p>
             <a:fld id="{C3F78080-8D0A-4BE8-A5B4-CB115102D524}" type="datetimeFigureOut">
               <a:rPr lang="en-US" smtClean="0"/>
-              <a:t>1/11/2023</a:t>
+              <a:t>2/9/2023</a:t>
             </a:fld>
             <a:endParaRPr lang="en-US"/>
           </a:p>
@@ -1488,7 +1642,7 @@
           <a:p>
             <a:fld id="{C3F78080-8D0A-4BE8-A5B4-CB115102D524}" type="datetimeFigureOut">
               <a:rPr lang="en-US" smtClean="0"/>
-              <a:t>1/11/2023</a:t>
+              <a:t>2/9/2023</a:t>
             </a:fld>
             <a:endParaRPr lang="en-US"/>
           </a:p>
@@ -1686,7 +1840,7 @@
           <a:p>
             <a:fld id="{C3F78080-8D0A-4BE8-A5B4-CB115102D524}" type="datetimeFigureOut">
               <a:rPr lang="en-US" smtClean="0"/>
-              <a:t>1/11/2023</a:t>
+              <a:t>2/9/2023</a:t>
             </a:fld>
             <a:endParaRPr lang="en-US"/>
           </a:p>
@@ -1961,7 +2115,7 @@
           <a:p>
             <a:fld id="{C3F78080-8D0A-4BE8-A5B4-CB115102D524}" type="datetimeFigureOut">
               <a:rPr lang="en-US" smtClean="0"/>
-              <a:t>1/11/2023</a:t>
+              <a:t>2/9/2023</a:t>
             </a:fld>
             <a:endParaRPr lang="en-US"/>
           </a:p>
@@ -2226,7 +2380,7 @@
           <a:p>
             <a:fld id="{C3F78080-8D0A-4BE8-A5B4-CB115102D524}" type="datetimeFigureOut">
               <a:rPr lang="en-US" smtClean="0"/>
-              <a:t>1/11/2023</a:t>
+              <a:t>2/9/2023</a:t>
             </a:fld>
             <a:endParaRPr lang="en-US"/>
           </a:p>
@@ -2638,7 +2792,7 @@
           <a:p>
             <a:fld id="{C3F78080-8D0A-4BE8-A5B4-CB115102D524}" type="datetimeFigureOut">
               <a:rPr lang="en-US" smtClean="0"/>
-              <a:t>1/11/2023</a:t>
+              <a:t>2/9/2023</a:t>
             </a:fld>
             <a:endParaRPr lang="en-US"/>
           </a:p>
@@ -2779,7 +2933,7 @@
           <a:p>
             <a:fld id="{C3F78080-8D0A-4BE8-A5B4-CB115102D524}" type="datetimeFigureOut">
               <a:rPr lang="en-US" smtClean="0"/>
-              <a:t>1/11/2023</a:t>
+              <a:t>2/9/2023</a:t>
             </a:fld>
             <a:endParaRPr lang="en-US"/>
           </a:p>
@@ -2892,7 +3046,7 @@
           <a:p>
             <a:fld id="{C3F78080-8D0A-4BE8-A5B4-CB115102D524}" type="datetimeFigureOut">
               <a:rPr lang="en-US" smtClean="0"/>
-              <a:t>1/11/2023</a:t>
+              <a:t>2/9/2023</a:t>
             </a:fld>
             <a:endParaRPr lang="en-US"/>
           </a:p>
@@ -3203,7 +3357,7 @@
           <a:p>
             <a:fld id="{C3F78080-8D0A-4BE8-A5B4-CB115102D524}" type="datetimeFigureOut">
               <a:rPr lang="en-US" smtClean="0"/>
-              <a:t>1/11/2023</a:t>
+              <a:t>2/9/2023</a:t>
             </a:fld>
             <a:endParaRPr lang="en-US"/>
           </a:p>
@@ -3491,7 +3645,7 @@
           <a:p>
             <a:fld id="{C3F78080-8D0A-4BE8-A5B4-CB115102D524}" type="datetimeFigureOut">
               <a:rPr lang="en-US" smtClean="0"/>
-              <a:t>1/11/2023</a:t>
+              <a:t>2/9/2023</a:t>
             </a:fld>
             <a:endParaRPr lang="en-US"/>
           </a:p>
@@ -3732,7 +3886,7 @@
           <a:p>
             <a:fld id="{C3F78080-8D0A-4BE8-A5B4-CB115102D524}" type="datetimeFigureOut">
               <a:rPr lang="en-US" smtClean="0"/>
-              <a:t>1/11/2023</a:t>
+              <a:t>2/9/2023</a:t>
             </a:fld>
             <a:endParaRPr lang="en-US"/>
           </a:p>
@@ -4149,52 +4303,9 @@
           <a:chExt cx="0" cy="0"/>
         </a:xfrm>
       </p:grpSpPr>
-      <p:sp>
-        <p:nvSpPr>
-          <p:cNvPr id="3" name="Text Placeholder 2">
-            <a:extLst>
-              <a:ext uri="{FF2B5EF4-FFF2-40B4-BE49-F238E27FC236}">
-                <a16:creationId xmlns:a16="http://schemas.microsoft.com/office/drawing/2014/main" id="{098BC2D2-CCF7-4C63-8489-B46BF394FCA2}"/>
-              </a:ext>
-            </a:extLst>
-          </p:cNvPr>
-          <p:cNvSpPr>
-            <a:spLocks noGrp="1"/>
-          </p:cNvSpPr>
-          <p:nvPr>
-            <p:ph type="body" idx="1"/>
-          </p:nvPr>
-        </p:nvSpPr>
-        <p:spPr>
-          <a:xfrm>
-            <a:off x="844550" y="5105707"/>
-            <a:ext cx="10515600" cy="670560"/>
-          </a:xfrm>
-        </p:spPr>
-        <p:txBody>
-          <a:bodyPr>
-            <a:normAutofit/>
-          </a:bodyPr>
-          <a:lstStyle/>
-          <a:p>
-            <a:r>
-              <a:rPr lang="en-US" sz="2800" dirty="0">
-                <a:solidFill>
-                  <a:schemeClr val="bg2">
-                    <a:lumMod val="50000"/>
-                  </a:schemeClr>
-                </a:solidFill>
-                <a:latin typeface="Avenir" panose="02000503020000020003" pitchFamily="2" charset="0"/>
-                <a:cs typeface="Segoe UI" panose="020B0502040204020203" pitchFamily="34" charset="0"/>
-              </a:rPr>
-              <a:t>Python Data Management</a:t>
-            </a:r>
-          </a:p>
-        </p:txBody>
-      </p:sp>
       <p:pic>
         <p:nvPicPr>
-          <p:cNvPr id="7" name="Picture 6" descr="A picture containing text, clipart&#10;&#10;Description automatically generated">
+          <p:cNvPr id="7" name="Picture 6" descr="Practicum AI">
             <a:extLst>
               <a:ext uri="{FF2B5EF4-FFF2-40B4-BE49-F238E27FC236}">
                 <a16:creationId xmlns:a16="http://schemas.microsoft.com/office/drawing/2014/main" id="{77FCCB67-39FD-4BE1-9A26-C0B1DF410887}"/>
@@ -4230,10 +4341,13 @@
       </p:pic>
       <p:pic>
         <p:nvPicPr>
-          <p:cNvPr id="2" name="Picture 1" descr="Logo, icon&#10;&#10;Description automatically generated">
+          <p:cNvPr id="2" name="Picture 1">
             <a:extLst>
               <a:ext uri="{FF2B5EF4-FFF2-40B4-BE49-F238E27FC236}">
                 <a16:creationId xmlns:a16="http://schemas.microsoft.com/office/drawing/2014/main" id="{E9B01DD0-E8BF-BF5F-D7C6-C612C171A5CA}"/>
+              </a:ext>
+              <a:ext uri="{C183D7F6-B498-43B3-948B-1728B52AA6E4}">
+                <adec:decorative xmlns:adec="http://schemas.microsoft.com/office/drawing/2017/decorative" val="1"/>
               </a:ext>
             </a:extLst>
           </p:cNvPr>
@@ -4258,6 +4372,55 @@
           </a:prstGeom>
         </p:spPr>
       </p:pic>
+      <p:sp>
+        <p:nvSpPr>
+          <p:cNvPr id="4" name="Title 3">
+            <a:extLst>
+              <a:ext uri="{FF2B5EF4-FFF2-40B4-BE49-F238E27FC236}">
+                <a16:creationId xmlns:a16="http://schemas.microsoft.com/office/drawing/2014/main" id="{1F8B85C5-4FB4-42DD-949E-25639170299E}"/>
+              </a:ext>
+            </a:extLst>
+          </p:cNvPr>
+          <p:cNvSpPr>
+            <a:spLocks noGrp="1"/>
+          </p:cNvSpPr>
+          <p:nvPr>
+            <p:ph type="title"/>
+          </p:nvPr>
+        </p:nvSpPr>
+        <p:spPr>
+          <a:xfrm>
+            <a:off x="849435" y="3821109"/>
+            <a:ext cx="10515600" cy="1761275"/>
+          </a:xfrm>
+        </p:spPr>
+        <p:txBody>
+          <a:bodyPr>
+            <a:normAutofit/>
+          </a:bodyPr>
+          <a:lstStyle/>
+          <a:p>
+            <a:pPr>
+              <a:spcBef>
+                <a:spcPts val="1000"/>
+              </a:spcBef>
+            </a:pPr>
+            <a:r>
+              <a:rPr lang="en-US" sz="2800">
+                <a:solidFill>
+                  <a:schemeClr val="bg2">
+                    <a:lumMod val="50000"/>
+                  </a:schemeClr>
+                </a:solidFill>
+                <a:latin typeface="Avenir" panose="02000503020000020003" pitchFamily="2" charset="0"/>
+                <a:ea typeface="+mn-ea"/>
+                <a:cs typeface="Segoe UI" panose="020B0502040204020203" pitchFamily="34" charset="0"/>
+              </a:rPr>
+              <a:t>Python Data Management</a:t>
+            </a:r>
+          </a:p>
+        </p:txBody>
+      </p:sp>
     </p:spTree>
     <p:extLst>
       <p:ext uri="{BB962C8B-B14F-4D97-AF65-F5344CB8AC3E}">
@@ -4268,13 +4431,13 @@
   <p:clrMapOvr>
     <a:masterClrMapping/>
   </p:clrMapOvr>
-  <mc:AlternateContent xmlns:mc="http://schemas.openxmlformats.org/markup-compatibility/2006" xmlns:p14="http://schemas.microsoft.com/office/powerpoint/2010/main">
-    <mc:Choice Requires="p14">
+  <mc:AlternateContent xmlns:mc="http://schemas.openxmlformats.org/markup-compatibility/2006">
+    <mc:Choice xmlns:p14="http://schemas.microsoft.com/office/powerpoint/2010/main" Requires="p14">
       <p:transition spd="med" p14:dur="700">
         <p:fade/>
       </p:transition>
     </mc:Choice>
-    <mc:Fallback xmlns="">
+    <mc:Fallback>
       <p:transition spd="med">
         <p:fade/>
       </p:transition>
@@ -4330,7 +4493,7 @@
           <a:p>
             <a:pPr algn="ctr"/>
             <a:r>
-              <a:rPr lang="en-US" sz="3600" b="1" dirty="0">
+              <a:rPr lang="en-US" sz="3600" b="1">
                 <a:latin typeface="Avenir Black" panose="02000503020000020003" pitchFamily="2" charset="0"/>
                 <a:cs typeface="Segoe UI Light" panose="020B0502040204020203" pitchFamily="34" charset="0"/>
               </a:rPr>
@@ -4373,7 +4536,7 @@
               </a:lnSpc>
             </a:pPr>
             <a:r>
-              <a:rPr lang="en-US" sz="3200" dirty="0">
+              <a:rPr lang="en-US" sz="3200">
                 <a:solidFill>
                   <a:schemeClr val="tx1">
                     <a:lumMod val="75000"/>
@@ -4392,7 +4555,7 @@
               </a:lnSpc>
             </a:pPr>
             <a:r>
-              <a:rPr lang="en-US" sz="3200" dirty="0">
+              <a:rPr lang="en-US" sz="3200">
                 <a:solidFill>
                   <a:schemeClr val="tx1">
                     <a:lumMod val="75000"/>
@@ -4408,10 +4571,13 @@
       </p:sp>
       <p:pic>
         <p:nvPicPr>
-          <p:cNvPr id="3" name="Picture 2" descr="A picture containing dark, gauge&#10;&#10;Description automatically generated">
+          <p:cNvPr id="3" name="Picture 2">
             <a:extLst>
               <a:ext uri="{FF2B5EF4-FFF2-40B4-BE49-F238E27FC236}">
                 <a16:creationId xmlns:a16="http://schemas.microsoft.com/office/drawing/2014/main" id="{0349CC1F-27C2-6CF0-2A33-AEA38089C68B}"/>
+              </a:ext>
+              <a:ext uri="{C183D7F6-B498-43B3-948B-1728B52AA6E4}">
+                <adec:decorative xmlns:adec="http://schemas.microsoft.com/office/drawing/2017/decorative" val="1"/>
               </a:ext>
             </a:extLst>
           </p:cNvPr>
@@ -4452,13 +4618,13 @@
   <p:clrMapOvr>
     <a:masterClrMapping/>
   </p:clrMapOvr>
-  <mc:AlternateContent xmlns:mc="http://schemas.openxmlformats.org/markup-compatibility/2006" xmlns:p14="http://schemas.microsoft.com/office/powerpoint/2010/main">
-    <mc:Choice Requires="p14">
+  <mc:AlternateContent xmlns:mc="http://schemas.openxmlformats.org/markup-compatibility/2006">
+    <mc:Choice xmlns:p14="http://schemas.microsoft.com/office/powerpoint/2010/main" Requires="p14">
       <p:transition spd="med" p14:dur="700">
         <p:fade/>
       </p:transition>
     </mc:Choice>
-    <mc:Fallback xmlns="">
+    <mc:Fallback>
       <p:transition spd="med">
         <p:fade/>
       </p:transition>
@@ -4484,9 +4650,44 @@
           <a:chExt cx="0" cy="0"/>
         </a:xfrm>
       </p:grpSpPr>
+      <p:sp>
+        <p:nvSpPr>
+          <p:cNvPr id="3" name="Title 2">
+            <a:extLst>
+              <a:ext uri="{FF2B5EF4-FFF2-40B4-BE49-F238E27FC236}">
+                <a16:creationId xmlns:a16="http://schemas.microsoft.com/office/drawing/2014/main" id="{388A26A9-D93E-46CA-8DA8-1C6E18DFF967}"/>
+              </a:ext>
+            </a:extLst>
+          </p:cNvPr>
+          <p:cNvSpPr>
+            <a:spLocks noGrp="1"/>
+          </p:cNvSpPr>
+          <p:nvPr>
+            <p:ph type="title"/>
+          </p:nvPr>
+        </p:nvSpPr>
+        <p:spPr>
+          <a:xfrm>
+            <a:off x="655320" y="-439546"/>
+            <a:ext cx="10515600" cy="439546"/>
+          </a:xfrm>
+        </p:spPr>
+        <p:txBody>
+          <a:bodyPr>
+            <a:normAutofit fontScale="90000"/>
+          </a:bodyPr>
+          <a:lstStyle/>
+          <a:p>
+            <a:r>
+              <a:rPr lang="en-US"/>
+              <a:t>pandas</a:t>
+            </a:r>
+          </a:p>
+        </p:txBody>
+      </p:sp>
       <p:pic>
         <p:nvPicPr>
-          <p:cNvPr id="1030" name="Picture 6" descr="pandas (software) - Wikipedia">
+          <p:cNvPr id="1030" name="Picture 6" descr="pandas logo">
             <a:extLst>
               <a:ext uri="{FF2B5EF4-FFF2-40B4-BE49-F238E27FC236}">
                 <a16:creationId xmlns:a16="http://schemas.microsoft.com/office/drawing/2014/main" id="{86B06A74-6B1E-4893-8AB9-76CB79DD7EF7}"/>
@@ -4533,10 +4734,13 @@
       </p:pic>
       <p:pic>
         <p:nvPicPr>
-          <p:cNvPr id="2" name="Picture 1" descr="A picture containing dark, gauge&#10;&#10;Description automatically generated">
+          <p:cNvPr id="2" name="Picture 1">
             <a:extLst>
               <a:ext uri="{FF2B5EF4-FFF2-40B4-BE49-F238E27FC236}">
                 <a16:creationId xmlns:a16="http://schemas.microsoft.com/office/drawing/2014/main" id="{B9411F93-01F4-47E2-627E-B9D575DD1DD4}"/>
+              </a:ext>
+              <a:ext uri="{C183D7F6-B498-43B3-948B-1728B52AA6E4}">
+                <adec:decorative xmlns:adec="http://schemas.microsoft.com/office/drawing/2017/decorative" val="1"/>
               </a:ext>
             </a:extLst>
           </p:cNvPr>
@@ -4577,13 +4781,13 @@
   <p:clrMapOvr>
     <a:masterClrMapping/>
   </p:clrMapOvr>
-  <mc:AlternateContent xmlns:mc="http://schemas.openxmlformats.org/markup-compatibility/2006" xmlns:p14="http://schemas.microsoft.com/office/powerpoint/2010/main">
-    <mc:Choice Requires="p14">
+  <mc:AlternateContent xmlns:mc="http://schemas.openxmlformats.org/markup-compatibility/2006">
+    <mc:Choice xmlns:p14="http://schemas.microsoft.com/office/powerpoint/2010/main" Requires="p14">
       <p:transition spd="med" p14:dur="700">
         <p:fade/>
       </p:transition>
     </mc:Choice>
-    <mc:Fallback xmlns="">
+    <mc:Fallback>
       <p:transition spd="med">
         <p:fade/>
       </p:transition>
@@ -4609,9 +4813,42 @@
           <a:chExt cx="0" cy="0"/>
         </a:xfrm>
       </p:grpSpPr>
+      <p:sp>
+        <p:nvSpPr>
+          <p:cNvPr id="4" name="Title 3">
+            <a:extLst>
+              <a:ext uri="{FF2B5EF4-FFF2-40B4-BE49-F238E27FC236}">
+                <a16:creationId xmlns:a16="http://schemas.microsoft.com/office/drawing/2014/main" id="{5BBB98DD-17FF-4A1B-8E42-DB99F3FCFE67}"/>
+              </a:ext>
+            </a:extLst>
+          </p:cNvPr>
+          <p:cNvSpPr>
+            <a:spLocks noGrp="1"/>
+          </p:cNvSpPr>
+          <p:nvPr>
+            <p:ph type="title"/>
+          </p:nvPr>
+        </p:nvSpPr>
+        <p:spPr>
+          <a:xfrm>
+            <a:off x="521208" y="-1045980"/>
+            <a:ext cx="10515600" cy="1325563"/>
+          </a:xfrm>
+        </p:spPr>
+        <p:txBody>
+          <a:bodyPr/>
+          <a:lstStyle/>
+          <a:p>
+            <a:r>
+              <a:rPr lang="en-US"/>
+              <a:t>Pandas illustration</a:t>
+            </a:r>
+          </a:p>
+        </p:txBody>
+      </p:sp>
       <p:pic>
         <p:nvPicPr>
-          <p:cNvPr id="1028" name="Picture 4" descr="Reading and Writing CSV Files – Real Python">
+          <p:cNvPr id="1028" name="Picture 4" descr="Real Python illustration showing pandas on a staircase tossing boxes into a funnel that is labeled CSV, while another panda below inspects the contents of the funnel via telescope.">
             <a:extLst>
               <a:ext uri="{FF2B5EF4-FFF2-40B4-BE49-F238E27FC236}">
                 <a16:creationId xmlns:a16="http://schemas.microsoft.com/office/drawing/2014/main" id="{2BE7FBCF-87F9-4CD0-8394-CB8238692788}"/>
@@ -4703,7 +4940,7 @@
               <a:defRPr/>
             </a:pPr>
             <a:r>
-              <a:rPr lang="en-US" sz="1400" dirty="0">
+              <a:rPr lang="en-US" sz="1400">
                 <a:solidFill>
                   <a:schemeClr val="tx1">
                     <a:lumMod val="65000"/>
@@ -4716,7 +4953,7 @@
               <a:t>Image Credit: </a:t>
             </a:r>
             <a:r>
-              <a:rPr lang="en-US" sz="1400" dirty="0">
+              <a:rPr lang="en-US" sz="1400">
                 <a:solidFill>
                   <a:schemeClr val="tx1">
                     <a:lumMod val="65000"/>
@@ -4726,7 +4963,7 @@
               </a:rPr>
               <a:t>https://realpython.com/courses/reading-and-writing-csv-files/</a:t>
             </a:r>
-            <a:endParaRPr lang="en-US" sz="1400" dirty="0">
+            <a:endParaRPr lang="en-US" sz="1400">
               <a:solidFill>
                 <a:schemeClr val="tx1">
                   <a:lumMod val="65000"/>
@@ -4740,10 +4977,13 @@
       </p:sp>
       <p:pic>
         <p:nvPicPr>
-          <p:cNvPr id="2" name="Picture 1" descr="A picture containing dark, gauge&#10;&#10;Description automatically generated">
+          <p:cNvPr id="2" name="Picture 1">
             <a:extLst>
               <a:ext uri="{FF2B5EF4-FFF2-40B4-BE49-F238E27FC236}">
                 <a16:creationId xmlns:a16="http://schemas.microsoft.com/office/drawing/2014/main" id="{7E5D25D3-E7CC-74CB-77F0-4E6DA88D6509}"/>
+              </a:ext>
+              <a:ext uri="{C183D7F6-B498-43B3-948B-1728B52AA6E4}">
+                <adec:decorative xmlns:adec="http://schemas.microsoft.com/office/drawing/2017/decorative" val="1"/>
               </a:ext>
             </a:extLst>
           </p:cNvPr>
@@ -4784,13 +5024,13 @@
   <p:clrMapOvr>
     <a:masterClrMapping/>
   </p:clrMapOvr>
-  <mc:AlternateContent xmlns:mc="http://schemas.openxmlformats.org/markup-compatibility/2006" xmlns:p14="http://schemas.microsoft.com/office/powerpoint/2010/main">
-    <mc:Choice Requires="p14">
+  <mc:AlternateContent xmlns:mc="http://schemas.openxmlformats.org/markup-compatibility/2006">
+    <mc:Choice xmlns:p14="http://schemas.microsoft.com/office/powerpoint/2010/main" Requires="p14">
       <p:transition spd="med" p14:dur="700">
         <p:fade/>
       </p:transition>
     </mc:Choice>
-    <mc:Fallback xmlns="">
+    <mc:Fallback>
       <p:transition spd="med">
         <p:fade/>
       </p:transition>
@@ -5387,4 +5627,219 @@
     </a:ext>
   </a:extLst>
 </a:theme>
+</file>
+
+<file path=customXml/item1.xml><?xml version="1.0" encoding="utf-8"?>
+<?mso-contentType ?>
+<FormTemplates xmlns="http://schemas.microsoft.com/sharepoint/v3/contenttype/forms">
+  <Display>DocumentLibraryForm</Display>
+  <Edit>DocumentLibraryForm</Edit>
+  <New>DocumentLibraryForm</New>
+</FormTemplates>
+</file>
+
+<file path=customXml/item2.xml><?xml version="1.0" encoding="utf-8"?>
+<ct:contentTypeSchema xmlns:ct="http://schemas.microsoft.com/office/2006/metadata/contentType" xmlns:ma="http://schemas.microsoft.com/office/2006/metadata/properties/metaAttributes" ct:_="" ma:_="" ma:contentTypeName="Document" ma:contentTypeID="0x0101002673533D22965147974C76FEA4E99B6D" ma:contentTypeVersion="7" ma:contentTypeDescription="Create a new document." ma:contentTypeScope="" ma:versionID="33386593c5eb6e225e5f36b1db4227d2">
+  <xsd:schema xmlns:xsd="http://www.w3.org/2001/XMLSchema" xmlns:xs="http://www.w3.org/2001/XMLSchema" xmlns:p="http://schemas.microsoft.com/office/2006/metadata/properties" xmlns:ns2="457672a9-2aae-4e32-9c0c-21a1a727485c" targetNamespace="http://schemas.microsoft.com/office/2006/metadata/properties" ma:root="true" ma:fieldsID="f963ad55d75e1805834ffff233bf5b0c" ns2:_="">
+    <xsd:import namespace="457672a9-2aae-4e32-9c0c-21a1a727485c"/>
+    <xsd:element name="properties">
+      <xsd:complexType>
+        <xsd:sequence>
+          <xsd:element name="documentManagement">
+            <xsd:complexType>
+              <xsd:all>
+                <xsd:element ref="ns2:MediaServiceMetadata" minOccurs="0"/>
+                <xsd:element ref="ns2:MediaServiceFastMetadata" minOccurs="0"/>
+                <xsd:element ref="ns2:lcf76f155ced4ddcb4097134ff3c332f" minOccurs="0"/>
+                <xsd:element ref="ns2:MediaServiceOCR" minOccurs="0"/>
+                <xsd:element ref="ns2:MediaServiceGenerationTime" minOccurs="0"/>
+                <xsd:element ref="ns2:MediaServiceEventHashCode" minOccurs="0"/>
+              </xsd:all>
+            </xsd:complexType>
+          </xsd:element>
+        </xsd:sequence>
+      </xsd:complexType>
+    </xsd:element>
+  </xsd:schema>
+  <xsd:schema xmlns:xsd="http://www.w3.org/2001/XMLSchema" xmlns:xs="http://www.w3.org/2001/XMLSchema" xmlns:dms="http://schemas.microsoft.com/office/2006/documentManagement/types" xmlns:pc="http://schemas.microsoft.com/office/infopath/2007/PartnerControls" targetNamespace="457672a9-2aae-4e32-9c0c-21a1a727485c" elementFormDefault="qualified">
+    <xsd:import namespace="http://schemas.microsoft.com/office/2006/documentManagement/types"/>
+    <xsd:import namespace="http://schemas.microsoft.com/office/infopath/2007/PartnerControls"/>
+    <xsd:element name="MediaServiceMetadata" ma:index="8" nillable="true" ma:displayName="MediaServiceMetadata" ma:hidden="true" ma:internalName="MediaServiceMetadata" ma:readOnly="true">
+      <xsd:simpleType>
+        <xsd:restriction base="dms:Note"/>
+      </xsd:simpleType>
+    </xsd:element>
+    <xsd:element name="MediaServiceFastMetadata" ma:index="9" nillable="true" ma:displayName="MediaServiceFastMetadata" ma:hidden="true" ma:internalName="MediaServiceFastMetadata" ma:readOnly="true">
+      <xsd:simpleType>
+        <xsd:restriction base="dms:Note"/>
+      </xsd:simpleType>
+    </xsd:element>
+    <xsd:element name="lcf76f155ced4ddcb4097134ff3c332f" ma:index="11" nillable="true" ma:taxonomy="true" ma:internalName="lcf76f155ced4ddcb4097134ff3c332f" ma:taxonomyFieldName="MediaServiceImageTags" ma:displayName="Image Tags" ma:readOnly="false" ma:fieldId="{5cf76f15-5ced-4ddc-b409-7134ff3c332f}" ma:taxonomyMulti="true" ma:sspId="fa0c477a-f09e-4137-8c49-77869fdcca91" ma:termSetId="09814cd3-568e-fe90-9814-8d621ff8fb84" ma:anchorId="fba54fb3-c3e1-fe81-a776-ca4b69148c4d" ma:open="true" ma:isKeyword="false">
+      <xsd:complexType>
+        <xsd:sequence>
+          <xsd:element ref="pc:Terms" minOccurs="0" maxOccurs="1"/>
+        </xsd:sequence>
+      </xsd:complexType>
+    </xsd:element>
+    <xsd:element name="MediaServiceOCR" ma:index="12" nillable="true" ma:displayName="Extracted Text" ma:internalName="MediaServiceOCR" ma:readOnly="true">
+      <xsd:simpleType>
+        <xsd:restriction base="dms:Note">
+          <xsd:maxLength value="255"/>
+        </xsd:restriction>
+      </xsd:simpleType>
+    </xsd:element>
+    <xsd:element name="MediaServiceGenerationTime" ma:index="13" nillable="true" ma:displayName="MediaServiceGenerationTime" ma:hidden="true" ma:internalName="MediaServiceGenerationTime" ma:readOnly="true">
+      <xsd:simpleType>
+        <xsd:restriction base="dms:Text"/>
+      </xsd:simpleType>
+    </xsd:element>
+    <xsd:element name="MediaServiceEventHashCode" ma:index="14" nillable="true" ma:displayName="MediaServiceEventHashCode" ma:hidden="true" ma:internalName="MediaServiceEventHashCode" ma:readOnly="true">
+      <xsd:simpleType>
+        <xsd:restriction base="dms:Text"/>
+      </xsd:simpleType>
+    </xsd:element>
+  </xsd:schema>
+  <xsd:schema xmlns="http://schemas.openxmlformats.org/package/2006/metadata/core-properties" xmlns:xsd="http://www.w3.org/2001/XMLSchema" xmlns:xsi="http://www.w3.org/2001/XMLSchema-instance" xmlns:dc="http://purl.org/dc/elements/1.1/" xmlns:dcterms="http://purl.org/dc/terms/" xmlns:odoc="http://schemas.microsoft.com/internal/obd" targetNamespace="http://schemas.openxmlformats.org/package/2006/metadata/core-properties" elementFormDefault="qualified" attributeFormDefault="unqualified" blockDefault="#all">
+    <xsd:import namespace="http://purl.org/dc/elements/1.1/" schemaLocation="http://dublincore.org/schemas/xmls/qdc/2003/04/02/dc.xsd"/>
+    <xsd:import namespace="http://purl.org/dc/terms/" schemaLocation="http://dublincore.org/schemas/xmls/qdc/2003/04/02/dcterms.xsd"/>
+    <xsd:element name="coreProperties" type="CT_coreProperties"/>
+    <xsd:complexType name="CT_coreProperties">
+      <xsd:all>
+        <xsd:element ref="dc:creator" minOccurs="0" maxOccurs="1"/>
+        <xsd:element ref="dcterms:created" minOccurs="0" maxOccurs="1"/>
+        <xsd:element ref="dc:identifier" minOccurs="0" maxOccurs="1"/>
+        <xsd:element name="contentType" minOccurs="0" maxOccurs="1" type="xsd:string" ma:index="0" ma:displayName="Content Type"/>
+        <xsd:element ref="dc:title" minOccurs="0" maxOccurs="1" ma:index="4" ma:displayName="Title"/>
+        <xsd:element ref="dc:subject" minOccurs="0" maxOccurs="1"/>
+        <xsd:element ref="dc:description" minOccurs="0" maxOccurs="1"/>
+        <xsd:element name="keywords" minOccurs="0" maxOccurs="1" type="xsd:string"/>
+        <xsd:element ref="dc:language" minOccurs="0" maxOccurs="1"/>
+        <xsd:element name="category" minOccurs="0" maxOccurs="1" type="xsd:string"/>
+        <xsd:element name="version" minOccurs="0" maxOccurs="1" type="xsd:string"/>
+        <xsd:element name="revision" minOccurs="0" maxOccurs="1" type="xsd:string">
+          <xsd:annotation>
+            <xsd:documentation>
+                        This value indicates the number of saves or revisions. The application is responsible for updating this value after each revision.
+                    </xsd:documentation>
+          </xsd:annotation>
+        </xsd:element>
+        <xsd:element name="lastModifiedBy" minOccurs="0" maxOccurs="1" type="xsd:string"/>
+        <xsd:element ref="dcterms:modified" minOccurs="0" maxOccurs="1"/>
+        <xsd:element name="contentStatus" minOccurs="0" maxOccurs="1" type="xsd:string"/>
+      </xsd:all>
+    </xsd:complexType>
+  </xsd:schema>
+  <xs:schema xmlns:pc="http://schemas.microsoft.com/office/infopath/2007/PartnerControls" xmlns:xs="http://www.w3.org/2001/XMLSchema" targetNamespace="http://schemas.microsoft.com/office/infopath/2007/PartnerControls" elementFormDefault="qualified" attributeFormDefault="unqualified">
+    <xs:element name="Person">
+      <xs:complexType>
+        <xs:sequence>
+          <xs:element ref="pc:DisplayName" minOccurs="0"/>
+          <xs:element ref="pc:AccountId" minOccurs="0"/>
+          <xs:element ref="pc:AccountType" minOccurs="0"/>
+        </xs:sequence>
+      </xs:complexType>
+    </xs:element>
+    <xs:element name="DisplayName" type="xs:string"/>
+    <xs:element name="AccountId" type="xs:string"/>
+    <xs:element name="AccountType" type="xs:string"/>
+    <xs:element name="BDCAssociatedEntity">
+      <xs:complexType>
+        <xs:sequence>
+          <xs:element ref="pc:BDCEntity" minOccurs="0" maxOccurs="unbounded"/>
+        </xs:sequence>
+        <xs:attribute ref="pc:EntityNamespace"/>
+        <xs:attribute ref="pc:EntityName"/>
+        <xs:attribute ref="pc:SystemInstanceName"/>
+        <xs:attribute ref="pc:AssociationName"/>
+      </xs:complexType>
+    </xs:element>
+    <xs:attribute name="EntityNamespace" type="xs:string"/>
+    <xs:attribute name="EntityName" type="xs:string"/>
+    <xs:attribute name="SystemInstanceName" type="xs:string"/>
+    <xs:attribute name="AssociationName" type="xs:string"/>
+    <xs:element name="BDCEntity">
+      <xs:complexType>
+        <xs:sequence>
+          <xs:element ref="pc:EntityDisplayName" minOccurs="0"/>
+          <xs:element ref="pc:EntityInstanceReference" minOccurs="0"/>
+          <xs:element ref="pc:EntityId1" minOccurs="0"/>
+          <xs:element ref="pc:EntityId2" minOccurs="0"/>
+          <xs:element ref="pc:EntityId3" minOccurs="0"/>
+          <xs:element ref="pc:EntityId4" minOccurs="0"/>
+          <xs:element ref="pc:EntityId5" minOccurs="0"/>
+        </xs:sequence>
+      </xs:complexType>
+    </xs:element>
+    <xs:element name="EntityDisplayName" type="xs:string"/>
+    <xs:element name="EntityInstanceReference" type="xs:string"/>
+    <xs:element name="EntityId1" type="xs:string"/>
+    <xs:element name="EntityId2" type="xs:string"/>
+    <xs:element name="EntityId3" type="xs:string"/>
+    <xs:element name="EntityId4" type="xs:string"/>
+    <xs:element name="EntityId5" type="xs:string"/>
+    <xs:element name="Terms">
+      <xs:complexType>
+        <xs:sequence>
+          <xs:element ref="pc:TermInfo" minOccurs="0" maxOccurs="unbounded"/>
+        </xs:sequence>
+      </xs:complexType>
+    </xs:element>
+    <xs:element name="TermInfo">
+      <xs:complexType>
+        <xs:sequence>
+          <xs:element ref="pc:TermName" minOccurs="0"/>
+          <xs:element ref="pc:TermId" minOccurs="0"/>
+        </xs:sequence>
+      </xs:complexType>
+    </xs:element>
+    <xs:element name="TermName" type="xs:string"/>
+    <xs:element name="TermId" type="xs:string"/>
+  </xs:schema>
+</ct:contentTypeSchema>
+</file>
+
+<file path=customXml/item3.xml><?xml version="1.0" encoding="utf-8"?>
+<p:properties xmlns:p="http://schemas.microsoft.com/office/2006/metadata/properties" xmlns:xsi="http://www.w3.org/2001/XMLSchema-instance" xmlns:pc="http://schemas.microsoft.com/office/infopath/2007/PartnerControls">
+  <documentManagement>
+    <lcf76f155ced4ddcb4097134ff3c332f xmlns="457672a9-2aae-4e32-9c0c-21a1a727485c">
+      <Terms xmlns="http://schemas.microsoft.com/office/infopath/2007/PartnerControls"/>
+    </lcf76f155ced4ddcb4097134ff3c332f>
+  </documentManagement>
+</p:properties>
+</file>
+
+<file path=customXml/itemProps1.xml><?xml version="1.0" encoding="utf-8"?>
+<ds:datastoreItem xmlns:ds="http://schemas.openxmlformats.org/officeDocument/2006/customXml" ds:itemID="{F63C845C-0E2E-493D-8EF6-E43CAEB89D15}">
+  <ds:schemaRefs>
+    <ds:schemaRef ds:uri="http://schemas.microsoft.com/sharepoint/v3/contenttype/forms"/>
+  </ds:schemaRefs>
+</ds:datastoreItem>
+</file>
+
+<file path=customXml/itemProps2.xml><?xml version="1.0" encoding="utf-8"?>
+<ds:datastoreItem xmlns:ds="http://schemas.openxmlformats.org/officeDocument/2006/customXml" ds:itemID="{91D7673F-68DD-4F81-BCB9-2D6CD190B92D}">
+  <ds:schemaRefs>
+    <ds:schemaRef ds:uri="457672a9-2aae-4e32-9c0c-21a1a727485c"/>
+    <ds:schemaRef ds:uri="http://purl.org/dc/elements/1.1/"/>
+    <ds:schemaRef ds:uri="http://purl.org/dc/terms/"/>
+    <ds:schemaRef ds:uri="http://schemas.microsoft.com/internal/obd"/>
+    <ds:schemaRef ds:uri="http://schemas.microsoft.com/office/2006/documentManagement/types"/>
+    <ds:schemaRef ds:uri="http://schemas.microsoft.com/office/2006/metadata/contentType"/>
+    <ds:schemaRef ds:uri="http://schemas.microsoft.com/office/2006/metadata/properties"/>
+    <ds:schemaRef ds:uri="http://schemas.microsoft.com/office/2006/metadata/properties/metaAttributes"/>
+    <ds:schemaRef ds:uri="http://schemas.microsoft.com/office/infopath/2007/PartnerControls"/>
+    <ds:schemaRef ds:uri="http://schemas.openxmlformats.org/package/2006/metadata/core-properties"/>
+    <ds:schemaRef ds:uri="http://www.w3.org/2001/XMLSchema"/>
+  </ds:schemaRefs>
+</ds:datastoreItem>
+</file>
+
+<file path=customXml/itemProps3.xml><?xml version="1.0" encoding="utf-8"?>
+<ds:datastoreItem xmlns:ds="http://schemas.openxmlformats.org/officeDocument/2006/customXml" ds:itemID="{FEC2A4E1-D546-4CFA-9954-C88833A2A459}">
+  <ds:schemaRefs>
+    <ds:schemaRef ds:uri="457672a9-2aae-4e32-9c0c-21a1a727485c"/>
+    <ds:schemaRef ds:uri="http://schemas.microsoft.com/office/2006/metadata/properties"/>
+    <ds:schemaRef ds:uri="http://schemas.microsoft.com/office/infopath/2007/PartnerControls"/>
+  </ds:schemaRefs>
+</ds:datastoreItem>
 </file>